--- a/PPTs/BFS.pptx
+++ b/PPTs/BFS.pptx
@@ -1,13 +1,16 @@
 
 <file path=ppt/presentation.xml><?xml version="1.0" encoding="utf-8"?>
-<p:presentation xmlns:a="http://schemas.openxmlformats.org/drawingml/2006/main" xmlns:r="http://schemas.openxmlformats.org/officeDocument/2006/relationships" xmlns:p="http://schemas.openxmlformats.org/presentationml/2006/main" saveSubsetFonts="1">
+<p:presentation xmlns:a="http://schemas.openxmlformats.org/drawingml/2006/main" xmlns:r="http://schemas.openxmlformats.org/officeDocument/2006/relationships" xmlns:p="http://schemas.openxmlformats.org/presentationml/2006/main">
   <p:sldMasterIdLst>
     <p:sldMasterId id="2147483648" r:id="rId1"/>
   </p:sldMasterIdLst>
   <p:sldIdLst>
-    <p:sldId id="256" r:id="rId2"/>
-    <p:sldId id="257" r:id="rId3"/>
-    <p:sldId id="258" r:id="rId4"/>
+    <p:sldId id="256" r:id="rId3"/>
+    <p:sldId id="257" r:id="rId4"/>
+    <p:sldId id="258" r:id="rId5"/>
+    <p:sldId id="259" r:id="rId6"/>
+    <p:sldId id="260" r:id="rId7"/>
+    <p:sldId id="261" r:id="rId8"/>
   </p:sldIdLst>
   <p:sldSz cx="12192000" cy="6858000"/>
   <p:notesSz cx="6858000" cy="9144000"/>
@@ -240,7 +243,6 @@
           <a:p>
             <a:fld id="{50DFB10D-B439-44E4-B4C3-A56A4F3C6659}" type="datetimeFigureOut">
               <a:rPr lang="zh-CN" altLang="en-US" smtClean="0"/>
-              <a:t>2021/2/1</a:t>
             </a:fld>
             <a:endParaRPr lang="zh-CN" altLang="en-US"/>
           </a:p>
@@ -282,18 +284,12 @@
           <a:p>
             <a:fld id="{D9703CED-5AB0-493E-9003-2A2C52984EC0}" type="slidenum">
               <a:rPr lang="zh-CN" altLang="en-US" smtClean="0"/>
-              <a:t>‹#›</a:t>
             </a:fld>
             <a:endParaRPr lang="zh-CN" altLang="en-US"/>
           </a:p>
         </p:txBody>
       </p:sp>
     </p:spTree>
-    <p:extLst>
-      <p:ext uri="{BB962C8B-B14F-4D97-AF65-F5344CB8AC3E}">
-        <p14:creationId xmlns:p14="http://schemas.microsoft.com/office/powerpoint/2010/main" val="3116474370"/>
-      </p:ext>
-    </p:extLst>
   </p:cSld>
   <p:clrMapOvr>
     <a:masterClrMapping/>
@@ -361,6 +357,7 @@
               <a:rPr lang="zh-CN" altLang="en-US" smtClean="0"/>
               <a:t>单击此处编辑母版文本样式</a:t>
             </a:r>
+            <a:endParaRPr lang="zh-CN" altLang="en-US" smtClean="0"/>
           </a:p>
           <a:p>
             <a:pPr lvl="1"/>
@@ -368,6 +365,7 @@
               <a:rPr lang="zh-CN" altLang="en-US" smtClean="0"/>
               <a:t>第二级</a:t>
             </a:r>
+            <a:endParaRPr lang="zh-CN" altLang="en-US" smtClean="0"/>
           </a:p>
           <a:p>
             <a:pPr lvl="2"/>
@@ -375,6 +373,7 @@
               <a:rPr lang="zh-CN" altLang="en-US" smtClean="0"/>
               <a:t>第三级</a:t>
             </a:r>
+            <a:endParaRPr lang="zh-CN" altLang="en-US" smtClean="0"/>
           </a:p>
           <a:p>
             <a:pPr lvl="3"/>
@@ -382,6 +381,7 @@
               <a:rPr lang="zh-CN" altLang="en-US" smtClean="0"/>
               <a:t>第四级</a:t>
             </a:r>
+            <a:endParaRPr lang="zh-CN" altLang="en-US" smtClean="0"/>
           </a:p>
           <a:p>
             <a:pPr lvl="4"/>
@@ -410,7 +410,6 @@
           <a:p>
             <a:fld id="{50DFB10D-B439-44E4-B4C3-A56A4F3C6659}" type="datetimeFigureOut">
               <a:rPr lang="zh-CN" altLang="en-US" smtClean="0"/>
-              <a:t>2021/2/1</a:t>
             </a:fld>
             <a:endParaRPr lang="zh-CN" altLang="en-US"/>
           </a:p>
@@ -452,18 +451,12 @@
           <a:p>
             <a:fld id="{D9703CED-5AB0-493E-9003-2A2C52984EC0}" type="slidenum">
               <a:rPr lang="zh-CN" altLang="en-US" smtClean="0"/>
-              <a:t>‹#›</a:t>
             </a:fld>
             <a:endParaRPr lang="zh-CN" altLang="en-US"/>
           </a:p>
         </p:txBody>
       </p:sp>
     </p:spTree>
-    <p:extLst>
-      <p:ext uri="{BB962C8B-B14F-4D97-AF65-F5344CB8AC3E}">
-        <p14:creationId xmlns:p14="http://schemas.microsoft.com/office/powerpoint/2010/main" val="1789002019"/>
-      </p:ext>
-    </p:extLst>
   </p:cSld>
   <p:clrMapOvr>
     <a:masterClrMapping/>
@@ -541,6 +534,7 @@
               <a:rPr lang="zh-CN" altLang="en-US" smtClean="0"/>
               <a:t>单击此处编辑母版文本样式</a:t>
             </a:r>
+            <a:endParaRPr lang="zh-CN" altLang="en-US" smtClean="0"/>
           </a:p>
           <a:p>
             <a:pPr lvl="1"/>
@@ -548,6 +542,7 @@
               <a:rPr lang="zh-CN" altLang="en-US" smtClean="0"/>
               <a:t>第二级</a:t>
             </a:r>
+            <a:endParaRPr lang="zh-CN" altLang="en-US" smtClean="0"/>
           </a:p>
           <a:p>
             <a:pPr lvl="2"/>
@@ -555,6 +550,7 @@
               <a:rPr lang="zh-CN" altLang="en-US" smtClean="0"/>
               <a:t>第三级</a:t>
             </a:r>
+            <a:endParaRPr lang="zh-CN" altLang="en-US" smtClean="0"/>
           </a:p>
           <a:p>
             <a:pPr lvl="3"/>
@@ -562,6 +558,7 @@
               <a:rPr lang="zh-CN" altLang="en-US" smtClean="0"/>
               <a:t>第四级</a:t>
             </a:r>
+            <a:endParaRPr lang="zh-CN" altLang="en-US" smtClean="0"/>
           </a:p>
           <a:p>
             <a:pPr lvl="4"/>
@@ -590,7 +587,6 @@
           <a:p>
             <a:fld id="{50DFB10D-B439-44E4-B4C3-A56A4F3C6659}" type="datetimeFigureOut">
               <a:rPr lang="zh-CN" altLang="en-US" smtClean="0"/>
-              <a:t>2021/2/1</a:t>
             </a:fld>
             <a:endParaRPr lang="zh-CN" altLang="en-US"/>
           </a:p>
@@ -632,18 +628,12 @@
           <a:p>
             <a:fld id="{D9703CED-5AB0-493E-9003-2A2C52984EC0}" type="slidenum">
               <a:rPr lang="zh-CN" altLang="en-US" smtClean="0"/>
-              <a:t>‹#›</a:t>
             </a:fld>
             <a:endParaRPr lang="zh-CN" altLang="en-US"/>
           </a:p>
         </p:txBody>
       </p:sp>
     </p:spTree>
-    <p:extLst>
-      <p:ext uri="{BB962C8B-B14F-4D97-AF65-F5344CB8AC3E}">
-        <p14:creationId xmlns:p14="http://schemas.microsoft.com/office/powerpoint/2010/main" val="3011415948"/>
-      </p:ext>
-    </p:extLst>
   </p:cSld>
   <p:clrMapOvr>
     <a:masterClrMapping/>
@@ -711,6 +701,7 @@
               <a:rPr lang="zh-CN" altLang="en-US" smtClean="0"/>
               <a:t>单击此处编辑母版文本样式</a:t>
             </a:r>
+            <a:endParaRPr lang="zh-CN" altLang="en-US" smtClean="0"/>
           </a:p>
           <a:p>
             <a:pPr lvl="1"/>
@@ -718,6 +709,7 @@
               <a:rPr lang="zh-CN" altLang="en-US" smtClean="0"/>
               <a:t>第二级</a:t>
             </a:r>
+            <a:endParaRPr lang="zh-CN" altLang="en-US" smtClean="0"/>
           </a:p>
           <a:p>
             <a:pPr lvl="2"/>
@@ -725,6 +717,7 @@
               <a:rPr lang="zh-CN" altLang="en-US" smtClean="0"/>
               <a:t>第三级</a:t>
             </a:r>
+            <a:endParaRPr lang="zh-CN" altLang="en-US" smtClean="0"/>
           </a:p>
           <a:p>
             <a:pPr lvl="3"/>
@@ -732,6 +725,7 @@
               <a:rPr lang="zh-CN" altLang="en-US" smtClean="0"/>
               <a:t>第四级</a:t>
             </a:r>
+            <a:endParaRPr lang="zh-CN" altLang="en-US" smtClean="0"/>
           </a:p>
           <a:p>
             <a:pPr lvl="4"/>
@@ -760,7 +754,6 @@
           <a:p>
             <a:fld id="{50DFB10D-B439-44E4-B4C3-A56A4F3C6659}" type="datetimeFigureOut">
               <a:rPr lang="zh-CN" altLang="en-US" smtClean="0"/>
-              <a:t>2021/2/1</a:t>
             </a:fld>
             <a:endParaRPr lang="zh-CN" altLang="en-US"/>
           </a:p>
@@ -802,18 +795,12 @@
           <a:p>
             <a:fld id="{D9703CED-5AB0-493E-9003-2A2C52984EC0}" type="slidenum">
               <a:rPr lang="zh-CN" altLang="en-US" smtClean="0"/>
-              <a:t>‹#›</a:t>
             </a:fld>
             <a:endParaRPr lang="zh-CN" altLang="en-US"/>
           </a:p>
         </p:txBody>
       </p:sp>
     </p:spTree>
-    <p:extLst>
-      <p:ext uri="{BB962C8B-B14F-4D97-AF65-F5344CB8AC3E}">
-        <p14:creationId xmlns:p14="http://schemas.microsoft.com/office/powerpoint/2010/main" val="1549923944"/>
-      </p:ext>
-    </p:extLst>
   </p:cSld>
   <p:clrMapOvr>
     <a:masterClrMapping/>
@@ -986,6 +973,7 @@
               <a:rPr lang="zh-CN" altLang="en-US" smtClean="0"/>
               <a:t>单击此处编辑母版文本样式</a:t>
             </a:r>
+            <a:endParaRPr lang="zh-CN" altLang="en-US" smtClean="0"/>
           </a:p>
         </p:txBody>
       </p:sp>
@@ -1006,7 +994,6 @@
           <a:p>
             <a:fld id="{50DFB10D-B439-44E4-B4C3-A56A4F3C6659}" type="datetimeFigureOut">
               <a:rPr lang="zh-CN" altLang="en-US" smtClean="0"/>
-              <a:t>2021/2/1</a:t>
             </a:fld>
             <a:endParaRPr lang="zh-CN" altLang="en-US"/>
           </a:p>
@@ -1048,18 +1035,12 @@
           <a:p>
             <a:fld id="{D9703CED-5AB0-493E-9003-2A2C52984EC0}" type="slidenum">
               <a:rPr lang="zh-CN" altLang="en-US" smtClean="0"/>
-              <a:t>‹#›</a:t>
             </a:fld>
             <a:endParaRPr lang="zh-CN" altLang="en-US"/>
           </a:p>
         </p:txBody>
       </p:sp>
     </p:spTree>
-    <p:extLst>
-      <p:ext uri="{BB962C8B-B14F-4D97-AF65-F5344CB8AC3E}">
-        <p14:creationId xmlns:p14="http://schemas.microsoft.com/office/powerpoint/2010/main" val="3984803581"/>
-      </p:ext>
-    </p:extLst>
   </p:cSld>
   <p:clrMapOvr>
     <a:masterClrMapping/>
@@ -1132,6 +1113,7 @@
               <a:rPr lang="zh-CN" altLang="en-US" smtClean="0"/>
               <a:t>单击此处编辑母版文本样式</a:t>
             </a:r>
+            <a:endParaRPr lang="zh-CN" altLang="en-US" smtClean="0"/>
           </a:p>
           <a:p>
             <a:pPr lvl="1"/>
@@ -1139,6 +1121,7 @@
               <a:rPr lang="zh-CN" altLang="en-US" smtClean="0"/>
               <a:t>第二级</a:t>
             </a:r>
+            <a:endParaRPr lang="zh-CN" altLang="en-US" smtClean="0"/>
           </a:p>
           <a:p>
             <a:pPr lvl="2"/>
@@ -1146,6 +1129,7 @@
               <a:rPr lang="zh-CN" altLang="en-US" smtClean="0"/>
               <a:t>第三级</a:t>
             </a:r>
+            <a:endParaRPr lang="zh-CN" altLang="en-US" smtClean="0"/>
           </a:p>
           <a:p>
             <a:pPr lvl="3"/>
@@ -1153,6 +1137,7 @@
               <a:rPr lang="zh-CN" altLang="en-US" smtClean="0"/>
               <a:t>第四级</a:t>
             </a:r>
+            <a:endParaRPr lang="zh-CN" altLang="en-US" smtClean="0"/>
           </a:p>
           <a:p>
             <a:pPr lvl="4"/>
@@ -1189,6 +1174,7 @@
               <a:rPr lang="zh-CN" altLang="en-US" smtClean="0"/>
               <a:t>单击此处编辑母版文本样式</a:t>
             </a:r>
+            <a:endParaRPr lang="zh-CN" altLang="en-US" smtClean="0"/>
           </a:p>
           <a:p>
             <a:pPr lvl="1"/>
@@ -1196,6 +1182,7 @@
               <a:rPr lang="zh-CN" altLang="en-US" smtClean="0"/>
               <a:t>第二级</a:t>
             </a:r>
+            <a:endParaRPr lang="zh-CN" altLang="en-US" smtClean="0"/>
           </a:p>
           <a:p>
             <a:pPr lvl="2"/>
@@ -1203,6 +1190,7 @@
               <a:rPr lang="zh-CN" altLang="en-US" smtClean="0"/>
               <a:t>第三级</a:t>
             </a:r>
+            <a:endParaRPr lang="zh-CN" altLang="en-US" smtClean="0"/>
           </a:p>
           <a:p>
             <a:pPr lvl="3"/>
@@ -1210,6 +1198,7 @@
               <a:rPr lang="zh-CN" altLang="en-US" smtClean="0"/>
               <a:t>第四级</a:t>
             </a:r>
+            <a:endParaRPr lang="zh-CN" altLang="en-US" smtClean="0"/>
           </a:p>
           <a:p>
             <a:pPr lvl="4"/>
@@ -1238,7 +1227,6 @@
           <a:p>
             <a:fld id="{50DFB10D-B439-44E4-B4C3-A56A4F3C6659}" type="datetimeFigureOut">
               <a:rPr lang="zh-CN" altLang="en-US" smtClean="0"/>
-              <a:t>2021/2/1</a:t>
             </a:fld>
             <a:endParaRPr lang="zh-CN" altLang="en-US"/>
           </a:p>
@@ -1280,18 +1268,12 @@
           <a:p>
             <a:fld id="{D9703CED-5AB0-493E-9003-2A2C52984EC0}" type="slidenum">
               <a:rPr lang="zh-CN" altLang="en-US" smtClean="0"/>
-              <a:t>‹#›</a:t>
             </a:fld>
             <a:endParaRPr lang="zh-CN" altLang="en-US"/>
           </a:p>
         </p:txBody>
       </p:sp>
     </p:spTree>
-    <p:extLst>
-      <p:ext uri="{BB962C8B-B14F-4D97-AF65-F5344CB8AC3E}">
-        <p14:creationId xmlns:p14="http://schemas.microsoft.com/office/powerpoint/2010/main" val="3253562352"/>
-      </p:ext>
-    </p:extLst>
   </p:cSld>
   <p:clrMapOvr>
     <a:masterClrMapping/>
@@ -1406,6 +1388,7 @@
               <a:rPr lang="zh-CN" altLang="en-US" smtClean="0"/>
               <a:t>单击此处编辑母版文本样式</a:t>
             </a:r>
+            <a:endParaRPr lang="zh-CN" altLang="en-US" smtClean="0"/>
           </a:p>
         </p:txBody>
       </p:sp>
@@ -1434,6 +1417,7 @@
               <a:rPr lang="zh-CN" altLang="en-US" smtClean="0"/>
               <a:t>单击此处编辑母版文本样式</a:t>
             </a:r>
+            <a:endParaRPr lang="zh-CN" altLang="en-US" smtClean="0"/>
           </a:p>
           <a:p>
             <a:pPr lvl="1"/>
@@ -1441,6 +1425,7 @@
               <a:rPr lang="zh-CN" altLang="en-US" smtClean="0"/>
               <a:t>第二级</a:t>
             </a:r>
+            <a:endParaRPr lang="zh-CN" altLang="en-US" smtClean="0"/>
           </a:p>
           <a:p>
             <a:pPr lvl="2"/>
@@ -1448,6 +1433,7 @@
               <a:rPr lang="zh-CN" altLang="en-US" smtClean="0"/>
               <a:t>第三级</a:t>
             </a:r>
+            <a:endParaRPr lang="zh-CN" altLang="en-US" smtClean="0"/>
           </a:p>
           <a:p>
             <a:pPr lvl="3"/>
@@ -1455,6 +1441,7 @@
               <a:rPr lang="zh-CN" altLang="en-US" smtClean="0"/>
               <a:t>第四级</a:t>
             </a:r>
+            <a:endParaRPr lang="zh-CN" altLang="en-US" smtClean="0"/>
           </a:p>
           <a:p>
             <a:pPr lvl="4"/>
@@ -1528,6 +1515,7 @@
               <a:rPr lang="zh-CN" altLang="en-US" smtClean="0"/>
               <a:t>单击此处编辑母版文本样式</a:t>
             </a:r>
+            <a:endParaRPr lang="zh-CN" altLang="en-US" smtClean="0"/>
           </a:p>
         </p:txBody>
       </p:sp>
@@ -1556,6 +1544,7 @@
               <a:rPr lang="zh-CN" altLang="en-US" smtClean="0"/>
               <a:t>单击此处编辑母版文本样式</a:t>
             </a:r>
+            <a:endParaRPr lang="zh-CN" altLang="en-US" smtClean="0"/>
           </a:p>
           <a:p>
             <a:pPr lvl="1"/>
@@ -1563,6 +1552,7 @@
               <a:rPr lang="zh-CN" altLang="en-US" smtClean="0"/>
               <a:t>第二级</a:t>
             </a:r>
+            <a:endParaRPr lang="zh-CN" altLang="en-US" smtClean="0"/>
           </a:p>
           <a:p>
             <a:pPr lvl="2"/>
@@ -1570,6 +1560,7 @@
               <a:rPr lang="zh-CN" altLang="en-US" smtClean="0"/>
               <a:t>第三级</a:t>
             </a:r>
+            <a:endParaRPr lang="zh-CN" altLang="en-US" smtClean="0"/>
           </a:p>
           <a:p>
             <a:pPr lvl="3"/>
@@ -1577,6 +1568,7 @@
               <a:rPr lang="zh-CN" altLang="en-US" smtClean="0"/>
               <a:t>第四级</a:t>
             </a:r>
+            <a:endParaRPr lang="zh-CN" altLang="en-US" smtClean="0"/>
           </a:p>
           <a:p>
             <a:pPr lvl="4"/>
@@ -1605,7 +1597,6 @@
           <a:p>
             <a:fld id="{50DFB10D-B439-44E4-B4C3-A56A4F3C6659}" type="datetimeFigureOut">
               <a:rPr lang="zh-CN" altLang="en-US" smtClean="0"/>
-              <a:t>2021/2/1</a:t>
             </a:fld>
             <a:endParaRPr lang="zh-CN" altLang="en-US"/>
           </a:p>
@@ -1647,18 +1638,12 @@
           <a:p>
             <a:fld id="{D9703CED-5AB0-493E-9003-2A2C52984EC0}" type="slidenum">
               <a:rPr lang="zh-CN" altLang="en-US" smtClean="0"/>
-              <a:t>‹#›</a:t>
             </a:fld>
             <a:endParaRPr lang="zh-CN" altLang="en-US"/>
           </a:p>
         </p:txBody>
       </p:sp>
     </p:spTree>
-    <p:extLst>
-      <p:ext uri="{BB962C8B-B14F-4D97-AF65-F5344CB8AC3E}">
-        <p14:creationId xmlns:p14="http://schemas.microsoft.com/office/powerpoint/2010/main" val="1081601289"/>
-      </p:ext>
-    </p:extLst>
   </p:cSld>
   <p:clrMapOvr>
     <a:masterClrMapping/>
@@ -1723,7 +1708,6 @@
           <a:p>
             <a:fld id="{50DFB10D-B439-44E4-B4C3-A56A4F3C6659}" type="datetimeFigureOut">
               <a:rPr lang="zh-CN" altLang="en-US" smtClean="0"/>
-              <a:t>2021/2/1</a:t>
             </a:fld>
             <a:endParaRPr lang="zh-CN" altLang="en-US"/>
           </a:p>
@@ -1765,18 +1749,12 @@
           <a:p>
             <a:fld id="{D9703CED-5AB0-493E-9003-2A2C52984EC0}" type="slidenum">
               <a:rPr lang="zh-CN" altLang="en-US" smtClean="0"/>
-              <a:t>‹#›</a:t>
             </a:fld>
             <a:endParaRPr lang="zh-CN" altLang="en-US"/>
           </a:p>
         </p:txBody>
       </p:sp>
     </p:spTree>
-    <p:extLst>
-      <p:ext uri="{BB962C8B-B14F-4D97-AF65-F5344CB8AC3E}">
-        <p14:creationId xmlns:p14="http://schemas.microsoft.com/office/powerpoint/2010/main" val="3268999954"/>
-      </p:ext>
-    </p:extLst>
   </p:cSld>
   <p:clrMapOvr>
     <a:masterClrMapping/>
@@ -1818,7 +1796,6 @@
           <a:p>
             <a:fld id="{50DFB10D-B439-44E4-B4C3-A56A4F3C6659}" type="datetimeFigureOut">
               <a:rPr lang="zh-CN" altLang="en-US" smtClean="0"/>
-              <a:t>2021/2/1</a:t>
             </a:fld>
             <a:endParaRPr lang="zh-CN" altLang="en-US"/>
           </a:p>
@@ -1860,18 +1837,12 @@
           <a:p>
             <a:fld id="{D9703CED-5AB0-493E-9003-2A2C52984EC0}" type="slidenum">
               <a:rPr lang="zh-CN" altLang="en-US" smtClean="0"/>
-              <a:t>‹#›</a:t>
             </a:fld>
             <a:endParaRPr lang="zh-CN" altLang="en-US"/>
           </a:p>
         </p:txBody>
       </p:sp>
     </p:spTree>
-    <p:extLst>
-      <p:ext uri="{BB962C8B-B14F-4D97-AF65-F5344CB8AC3E}">
-        <p14:creationId xmlns:p14="http://schemas.microsoft.com/office/powerpoint/2010/main" val="830326372"/>
-      </p:ext>
-    </p:extLst>
   </p:cSld>
   <p:clrMapOvr>
     <a:masterClrMapping/>
@@ -1981,6 +1952,7 @@
               <a:rPr lang="zh-CN" altLang="en-US" smtClean="0"/>
               <a:t>单击此处编辑母版文本样式</a:t>
             </a:r>
+            <a:endParaRPr lang="zh-CN" altLang="en-US" smtClean="0"/>
           </a:p>
           <a:p>
             <a:pPr lvl="1"/>
@@ -1988,6 +1960,7 @@
               <a:rPr lang="zh-CN" altLang="en-US" smtClean="0"/>
               <a:t>第二级</a:t>
             </a:r>
+            <a:endParaRPr lang="zh-CN" altLang="en-US" smtClean="0"/>
           </a:p>
           <a:p>
             <a:pPr lvl="2"/>
@@ -1995,6 +1968,7 @@
               <a:rPr lang="zh-CN" altLang="en-US" smtClean="0"/>
               <a:t>第三级</a:t>
             </a:r>
+            <a:endParaRPr lang="zh-CN" altLang="en-US" smtClean="0"/>
           </a:p>
           <a:p>
             <a:pPr lvl="3"/>
@@ -2002,6 +1976,7 @@
               <a:rPr lang="zh-CN" altLang="en-US" smtClean="0"/>
               <a:t>第四级</a:t>
             </a:r>
+            <a:endParaRPr lang="zh-CN" altLang="en-US" smtClean="0"/>
           </a:p>
           <a:p>
             <a:pPr lvl="4"/>
@@ -2075,6 +2050,7 @@
               <a:rPr lang="zh-CN" altLang="en-US" smtClean="0"/>
               <a:t>单击此处编辑母版文本样式</a:t>
             </a:r>
+            <a:endParaRPr lang="zh-CN" altLang="en-US" smtClean="0"/>
           </a:p>
         </p:txBody>
       </p:sp>
@@ -2095,7 +2071,6 @@
           <a:p>
             <a:fld id="{50DFB10D-B439-44E4-B4C3-A56A4F3C6659}" type="datetimeFigureOut">
               <a:rPr lang="zh-CN" altLang="en-US" smtClean="0"/>
-              <a:t>2021/2/1</a:t>
             </a:fld>
             <a:endParaRPr lang="zh-CN" altLang="en-US"/>
           </a:p>
@@ -2137,18 +2112,12 @@
           <a:p>
             <a:fld id="{D9703CED-5AB0-493E-9003-2A2C52984EC0}" type="slidenum">
               <a:rPr lang="zh-CN" altLang="en-US" smtClean="0"/>
-              <a:t>‹#›</a:t>
             </a:fld>
             <a:endParaRPr lang="zh-CN" altLang="en-US"/>
           </a:p>
         </p:txBody>
       </p:sp>
     </p:spTree>
-    <p:extLst>
-      <p:ext uri="{BB962C8B-B14F-4D97-AF65-F5344CB8AC3E}">
-        <p14:creationId xmlns:p14="http://schemas.microsoft.com/office/powerpoint/2010/main" val="2382223834"/>
-      </p:ext>
-    </p:extLst>
   </p:cSld>
   <p:clrMapOvr>
     <a:masterClrMapping/>
@@ -2328,6 +2297,7 @@
               <a:rPr lang="zh-CN" altLang="en-US" smtClean="0"/>
               <a:t>单击此处编辑母版文本样式</a:t>
             </a:r>
+            <a:endParaRPr lang="zh-CN" altLang="en-US" smtClean="0"/>
           </a:p>
         </p:txBody>
       </p:sp>
@@ -2348,7 +2318,6 @@
           <a:p>
             <a:fld id="{50DFB10D-B439-44E4-B4C3-A56A4F3C6659}" type="datetimeFigureOut">
               <a:rPr lang="zh-CN" altLang="en-US" smtClean="0"/>
-              <a:t>2021/2/1</a:t>
             </a:fld>
             <a:endParaRPr lang="zh-CN" altLang="en-US"/>
           </a:p>
@@ -2390,18 +2359,12 @@
           <a:p>
             <a:fld id="{D9703CED-5AB0-493E-9003-2A2C52984EC0}" type="slidenum">
               <a:rPr lang="zh-CN" altLang="en-US" smtClean="0"/>
-              <a:t>‹#›</a:t>
             </a:fld>
             <a:endParaRPr lang="zh-CN" altLang="en-US"/>
           </a:p>
         </p:txBody>
       </p:sp>
     </p:spTree>
-    <p:extLst>
-      <p:ext uri="{BB962C8B-B14F-4D97-AF65-F5344CB8AC3E}">
-        <p14:creationId xmlns:p14="http://schemas.microsoft.com/office/powerpoint/2010/main" val="1634823900"/>
-      </p:ext>
-    </p:extLst>
   </p:cSld>
   <p:clrMapOvr>
     <a:masterClrMapping/>
@@ -2494,6 +2457,7 @@
               <a:rPr lang="zh-CN" altLang="en-US" smtClean="0"/>
               <a:t>单击此处编辑母版文本样式</a:t>
             </a:r>
+            <a:endParaRPr lang="zh-CN" altLang="en-US" smtClean="0"/>
           </a:p>
           <a:p>
             <a:pPr lvl="1"/>
@@ -2501,6 +2465,7 @@
               <a:rPr lang="zh-CN" altLang="en-US" smtClean="0"/>
               <a:t>第二级</a:t>
             </a:r>
+            <a:endParaRPr lang="zh-CN" altLang="en-US" smtClean="0"/>
           </a:p>
           <a:p>
             <a:pPr lvl="2"/>
@@ -2508,6 +2473,7 @@
               <a:rPr lang="zh-CN" altLang="en-US" smtClean="0"/>
               <a:t>第三级</a:t>
             </a:r>
+            <a:endParaRPr lang="zh-CN" altLang="en-US" smtClean="0"/>
           </a:p>
           <a:p>
             <a:pPr lvl="3"/>
@@ -2515,6 +2481,7 @@
               <a:rPr lang="zh-CN" altLang="en-US" smtClean="0"/>
               <a:t>第四级</a:t>
             </a:r>
+            <a:endParaRPr lang="zh-CN" altLang="en-US" smtClean="0"/>
           </a:p>
           <a:p>
             <a:pPr lvl="4"/>
@@ -2561,7 +2528,6 @@
           <a:p>
             <a:fld id="{50DFB10D-B439-44E4-B4C3-A56A4F3C6659}" type="datetimeFigureOut">
               <a:rPr lang="zh-CN" altLang="en-US" smtClean="0"/>
-              <a:t>2021/2/1</a:t>
             </a:fld>
             <a:endParaRPr lang="zh-CN" altLang="en-US"/>
           </a:p>
@@ -2639,18 +2605,12 @@
           <a:p>
             <a:fld id="{D9703CED-5AB0-493E-9003-2A2C52984EC0}" type="slidenum">
               <a:rPr lang="zh-CN" altLang="en-US" smtClean="0"/>
-              <a:t>‹#›</a:t>
             </a:fld>
             <a:endParaRPr lang="zh-CN" altLang="en-US"/>
           </a:p>
         </p:txBody>
       </p:sp>
     </p:spTree>
-    <p:extLst>
-      <p:ext uri="{BB962C8B-B14F-4D97-AF65-F5344CB8AC3E}">
-        <p14:creationId xmlns:p14="http://schemas.microsoft.com/office/powerpoint/2010/main" val="3691156054"/>
-      </p:ext>
-    </p:extLst>
   </p:cSld>
   <p:clrMap bg1="lt1" tx1="dk1" bg2="lt2" tx2="dk2" accent1="accent1" accent2="accent2" accent3="accent3" accent4="accent4" accent5="accent5" accent6="accent6" hlink="hlink" folHlink="folHlink"/>
   <p:sldLayoutIdLst>
@@ -2694,7 +2654,7 @@
         <a:spcBef>
           <a:spcPts val="1000"/>
         </a:spcBef>
-        <a:buFont typeface="Arial" panose="020B0604020202020204" pitchFamily="34" charset="0"/>
+        <a:buFont typeface="Arial" panose="02080604020202020204" pitchFamily="34" charset="0"/>
         <a:buChar char="•"/>
         <a:defRPr sz="2800" kern="1200">
           <a:solidFill>
@@ -2712,7 +2672,7 @@
         <a:spcBef>
           <a:spcPts val="500"/>
         </a:spcBef>
-        <a:buFont typeface="Arial" panose="020B0604020202020204" pitchFamily="34" charset="0"/>
+        <a:buFont typeface="Arial" panose="02080604020202020204" pitchFamily="34" charset="0"/>
         <a:buChar char="•"/>
         <a:defRPr sz="2400" kern="1200">
           <a:solidFill>
@@ -2730,7 +2690,7 @@
         <a:spcBef>
           <a:spcPts val="500"/>
         </a:spcBef>
-        <a:buFont typeface="Arial" panose="020B0604020202020204" pitchFamily="34" charset="0"/>
+        <a:buFont typeface="Arial" panose="02080604020202020204" pitchFamily="34" charset="0"/>
         <a:buChar char="•"/>
         <a:defRPr sz="2000" kern="1200">
           <a:solidFill>
@@ -2748,7 +2708,7 @@
         <a:spcBef>
           <a:spcPts val="500"/>
         </a:spcBef>
-        <a:buFont typeface="Arial" panose="020B0604020202020204" pitchFamily="34" charset="0"/>
+        <a:buFont typeface="Arial" panose="02080604020202020204" pitchFamily="34" charset="0"/>
         <a:buChar char="•"/>
         <a:defRPr sz="1800" kern="1200">
           <a:solidFill>
@@ -2766,7 +2726,7 @@
         <a:spcBef>
           <a:spcPts val="500"/>
         </a:spcBef>
-        <a:buFont typeface="Arial" panose="020B0604020202020204" pitchFamily="34" charset="0"/>
+        <a:buFont typeface="Arial" panose="02080604020202020204" pitchFamily="34" charset="0"/>
         <a:buChar char="•"/>
         <a:defRPr sz="1800" kern="1200">
           <a:solidFill>
@@ -2784,7 +2744,7 @@
         <a:spcBef>
           <a:spcPts val="500"/>
         </a:spcBef>
-        <a:buFont typeface="Arial" panose="020B0604020202020204" pitchFamily="34" charset="0"/>
+        <a:buFont typeface="Arial" panose="02080604020202020204" pitchFamily="34" charset="0"/>
         <a:buChar char="•"/>
         <a:defRPr sz="1800" kern="1200">
           <a:solidFill>
@@ -2802,7 +2762,7 @@
         <a:spcBef>
           <a:spcPts val="500"/>
         </a:spcBef>
-        <a:buFont typeface="Arial" panose="020B0604020202020204" pitchFamily="34" charset="0"/>
+        <a:buFont typeface="Arial" panose="02080604020202020204" pitchFamily="34" charset="0"/>
         <a:buChar char="•"/>
         <a:defRPr sz="1800" kern="1200">
           <a:solidFill>
@@ -2820,7 +2780,7 @@
         <a:spcBef>
           <a:spcPts val="500"/>
         </a:spcBef>
-        <a:buFont typeface="Arial" panose="020B0604020202020204" pitchFamily="34" charset="0"/>
+        <a:buFont typeface="Arial" panose="02080604020202020204" pitchFamily="34" charset="0"/>
         <a:buChar char="•"/>
         <a:defRPr sz="1800" kern="1200">
           <a:solidFill>
@@ -2838,7 +2798,7 @@
         <a:spcBef>
           <a:spcPts val="500"/>
         </a:spcBef>
-        <a:buFont typeface="Arial" panose="020B0604020202020204" pitchFamily="34" charset="0"/>
+        <a:buFont typeface="Arial" panose="02080604020202020204" pitchFamily="34" charset="0"/>
         <a:buChar char="•"/>
         <a:defRPr sz="1800" kern="1200">
           <a:solidFill>
@@ -3013,11 +2973,6 @@
         </p:txBody>
       </p:sp>
     </p:spTree>
-    <p:extLst>
-      <p:ext uri="{BB962C8B-B14F-4D97-AF65-F5344CB8AC3E}">
-        <p14:creationId xmlns:p14="http://schemas.microsoft.com/office/powerpoint/2010/main" val="488538976"/>
-      </p:ext>
-    </p:extLst>
   </p:cSld>
   <p:clrMapOvr>
     <a:masterClrMapping/>
@@ -3089,11 +3044,6 @@
         </p:txBody>
       </p:sp>
     </p:spTree>
-    <p:extLst>
-      <p:ext uri="{BB962C8B-B14F-4D97-AF65-F5344CB8AC3E}">
-        <p14:creationId xmlns:p14="http://schemas.microsoft.com/office/powerpoint/2010/main" val="723672031"/>
-      </p:ext>
-    </p:extLst>
   </p:cSld>
   <p:clrMapOvr>
     <a:masterClrMapping/>
@@ -3179,6 +3129,7 @@
               <a:rPr lang="en-US" altLang="zh-CN" dirty="0" smtClean="0"/>
               <a:t> BFS(Node start, Node target) {</a:t>
             </a:r>
+            <a:endParaRPr lang="en-US" altLang="zh-CN" dirty="0" smtClean="0"/>
           </a:p>
           <a:p>
             <a:pPr marL="0" indent="0">
@@ -3196,6 +3147,7 @@
               <a:rPr lang="en-US" altLang="zh-CN" dirty="0" smtClean="0"/>
               <a:t> step = 0;</a:t>
             </a:r>
+            <a:endParaRPr lang="en-US" altLang="zh-CN" dirty="0" smtClean="0"/>
           </a:p>
           <a:p>
             <a:pPr marL="0" indent="0">
@@ -3209,6 +3161,7 @@
               <a:rPr lang="zh-CN" altLang="en-US" dirty="0" smtClean="0"/>
               <a:t>核心数据结构</a:t>
             </a:r>
+            <a:endParaRPr lang="zh-CN" altLang="en-US" dirty="0" smtClean="0"/>
           </a:p>
           <a:p>
             <a:pPr marL="0" indent="0">
@@ -3226,6 +3179,7 @@
               <a:rPr lang="zh-CN" altLang="en-US" dirty="0" smtClean="0"/>
               <a:t>避免走回头路	</a:t>
             </a:r>
+            <a:endParaRPr lang="zh-CN" altLang="en-US" dirty="0" smtClean="0"/>
           </a:p>
           <a:p>
             <a:pPr marL="0" indent="0">
@@ -3249,6 +3203,7 @@
               <a:rPr lang="en-US" altLang="zh-CN" dirty="0" smtClean="0"/>
               <a:t>(start);</a:t>
             </a:r>
+            <a:endParaRPr lang="en-US" altLang="zh-CN" dirty="0" smtClean="0"/>
           </a:p>
           <a:p>
             <a:pPr marL="0" indent="0">
@@ -3266,6 +3221,7 @@
               <a:rPr lang="en-US" altLang="zh-CN" dirty="0" smtClean="0"/>
               <a:t>(start);</a:t>
             </a:r>
+            <a:endParaRPr lang="en-US" altLang="zh-CN" dirty="0" smtClean="0"/>
           </a:p>
           <a:p>
             <a:pPr marL="0" indent="0">
@@ -3289,6 +3245,7 @@
               <a:rPr lang="en-US" altLang="zh-CN" dirty="0" smtClean="0"/>
               <a:t>()) {</a:t>
             </a:r>
+            <a:endParaRPr lang="en-US" altLang="zh-CN" dirty="0" smtClean="0"/>
           </a:p>
           <a:p>
             <a:pPr marL="0" indent="0">
@@ -3322,6 +3279,7 @@
               <a:rPr lang="en-US" altLang="zh-CN" dirty="0" smtClean="0"/>
               <a:t>();</a:t>
             </a:r>
+            <a:endParaRPr lang="en-US" altLang="zh-CN" dirty="0" smtClean="0"/>
           </a:p>
           <a:p>
             <a:pPr marL="0" indent="0">
@@ -3371,6 +3329,7 @@
               <a:rPr lang="en-US" altLang="zh-CN" dirty="0" smtClean="0"/>
               <a:t>) {</a:t>
             </a:r>
+            <a:endParaRPr lang="en-US" altLang="zh-CN" dirty="0" smtClean="0"/>
           </a:p>
           <a:p>
             <a:pPr marL="0" indent="0">
@@ -3388,6 +3347,7 @@
               <a:rPr lang="en-US" altLang="zh-CN" dirty="0" smtClean="0"/>
               <a:t>();</a:t>
             </a:r>
+            <a:endParaRPr lang="en-US" altLang="zh-CN" dirty="0" smtClean="0"/>
           </a:p>
           <a:p>
             <a:pPr marL="0" indent="0">
@@ -3405,6 +3365,7 @@
               <a:rPr lang="en-US" altLang="zh-CN" dirty="0" smtClean="0"/>
               <a:t>();</a:t>
             </a:r>
+            <a:endParaRPr lang="en-US" altLang="zh-CN" dirty="0" smtClean="0"/>
           </a:p>
           <a:p>
             <a:pPr marL="0" indent="0">
@@ -3422,6 +3383,7 @@
               <a:rPr lang="en-US" altLang="zh-CN" dirty="0" smtClean="0"/>
               <a:t>/</a:t>
             </a:r>
+            <a:endParaRPr lang="en-US" altLang="zh-CN" dirty="0" smtClean="0"/>
           </a:p>
           <a:p>
             <a:pPr marL="0" indent="0">
@@ -3431,6 +3393,7 @@
               <a:rPr lang="en-US" altLang="zh-CN" dirty="0" smtClean="0"/>
               <a:t>            if(cur == target) return step;</a:t>
             </a:r>
+            <a:endParaRPr lang="en-US" altLang="zh-CN" dirty="0" smtClean="0"/>
           </a:p>
           <a:p>
             <a:pPr marL="0" indent="0">
@@ -3448,6 +3411,7 @@
               <a:rPr lang="en-US" altLang="zh-CN" dirty="0" smtClean="0"/>
               <a:t>()) {</a:t>
             </a:r>
+            <a:endParaRPr lang="en-US" altLang="zh-CN" dirty="0" smtClean="0"/>
           </a:p>
           <a:p>
             <a:pPr marL="0" indent="0">
@@ -3465,6 +3429,7 @@
               <a:rPr lang="en-US" altLang="zh-CN" dirty="0" smtClean="0"/>
               <a:t>(x)) {</a:t>
             </a:r>
+            <a:endParaRPr lang="en-US" altLang="zh-CN" dirty="0" smtClean="0"/>
           </a:p>
           <a:p>
             <a:pPr marL="0" indent="0">
@@ -3482,6 +3447,7 @@
               <a:rPr lang="en-US" altLang="zh-CN" dirty="0" smtClean="0"/>
               <a:t>(x);</a:t>
             </a:r>
+            <a:endParaRPr lang="en-US" altLang="zh-CN" dirty="0" smtClean="0"/>
           </a:p>
           <a:p>
             <a:pPr marL="0" indent="0">
@@ -3499,6 +3465,7 @@
               <a:rPr lang="en-US" altLang="zh-CN" dirty="0" smtClean="0"/>
               <a:t>(x);</a:t>
             </a:r>
+            <a:endParaRPr lang="en-US" altLang="zh-CN" dirty="0" smtClean="0"/>
           </a:p>
           <a:p>
             <a:pPr marL="0" indent="0">
@@ -3508,6 +3475,7 @@
               <a:rPr lang="en-US" altLang="zh-CN" dirty="0" smtClean="0"/>
               <a:t>                }</a:t>
             </a:r>
+            <a:endParaRPr lang="en-US" altLang="zh-CN" dirty="0" smtClean="0"/>
           </a:p>
           <a:p>
             <a:pPr marL="0" indent="0">
@@ -3517,6 +3485,7 @@
               <a:rPr lang="en-US" altLang="zh-CN" dirty="0" smtClean="0"/>
               <a:t>            }</a:t>
             </a:r>
+            <a:endParaRPr lang="en-US" altLang="zh-CN" dirty="0" smtClean="0"/>
           </a:p>
           <a:p>
             <a:pPr marL="0" indent="0">
@@ -3526,6 +3495,7 @@
               <a:rPr lang="en-US" altLang="zh-CN" dirty="0" smtClean="0"/>
               <a:t>        }</a:t>
             </a:r>
+            <a:endParaRPr lang="en-US" altLang="zh-CN" dirty="0" smtClean="0"/>
           </a:p>
           <a:p>
             <a:pPr marL="0" indent="0">
@@ -3543,6 +3513,7 @@
               <a:rPr lang="en-US" altLang="zh-CN" dirty="0" smtClean="0"/>
               <a:t>/</a:t>
             </a:r>
+            <a:endParaRPr lang="en-US" altLang="zh-CN" dirty="0" smtClean="0"/>
           </a:p>
           <a:p>
             <a:pPr marL="0" indent="0">
@@ -3552,6 +3523,7 @@
               <a:rPr lang="en-US" altLang="zh-CN" dirty="0" smtClean="0"/>
               <a:t>        ++step;</a:t>
             </a:r>
+            <a:endParaRPr lang="en-US" altLang="zh-CN" dirty="0" smtClean="0"/>
           </a:p>
           <a:p>
             <a:pPr marL="0" indent="0">
@@ -3561,6 +3533,7 @@
               <a:rPr lang="en-US" altLang="zh-CN" dirty="0" smtClean="0"/>
               <a:t>    }   </a:t>
             </a:r>
+            <a:endParaRPr lang="en-US" altLang="zh-CN" dirty="0" smtClean="0"/>
           </a:p>
           <a:p>
             <a:pPr marL="0" indent="0">
@@ -3575,11 +3548,287 @@
         </p:txBody>
       </p:sp>
     </p:spTree>
-    <p:extLst>
-      <p:ext uri="{BB962C8B-B14F-4D97-AF65-F5344CB8AC3E}">
-        <p14:creationId xmlns:p14="http://schemas.microsoft.com/office/powerpoint/2010/main" val="1730752616"/>
-      </p:ext>
-    </p:extLst>
+  </p:cSld>
+  <p:clrMapOvr>
+    <a:masterClrMapping/>
+  </p:clrMapOvr>
+</p:sld>
+</file>
+
+<file path=ppt/slides/slide4.xml><?xml version="1.0" encoding="utf-8"?>
+<p:sld xmlns:a="http://schemas.openxmlformats.org/drawingml/2006/main" xmlns:r="http://schemas.openxmlformats.org/officeDocument/2006/relationships" xmlns:p="http://schemas.openxmlformats.org/presentationml/2006/main">
+  <p:cSld>
+    <p:spTree>
+      <p:nvGrpSpPr>
+        <p:cNvPr id="1" name=""/>
+        <p:cNvGrpSpPr/>
+        <p:nvPr/>
+      </p:nvGrpSpPr>
+      <p:grpSpPr/>
+      <p:sp>
+        <p:nvSpPr>
+          <p:cNvPr id="2" name="标题 1"/>
+          <p:cNvSpPr>
+            <a:spLocks noGrp="1"/>
+          </p:cNvSpPr>
+          <p:nvPr>
+            <p:ph type="title"/>
+          </p:nvPr>
+        </p:nvSpPr>
+        <p:spPr/>
+        <p:txBody>
+          <a:bodyPr/>
+          <a:p>
+            <a:r>
+              <a:rPr lang="" altLang="zh-CN"/>
+              <a:t>双向BFS优化</a:t>
+            </a:r>
+            <a:endParaRPr lang="" altLang="zh-CN"/>
+          </a:p>
+        </p:txBody>
+      </p:sp>
+      <p:sp>
+        <p:nvSpPr>
+          <p:cNvPr id="3" name="内容占位符 2"/>
+          <p:cNvSpPr>
+            <a:spLocks noGrp="1"/>
+          </p:cNvSpPr>
+          <p:nvPr>
+            <p:ph idx="1"/>
+          </p:nvPr>
+        </p:nvSpPr>
+        <p:spPr/>
+        <p:txBody>
+          <a:bodyPr>
+            <a:normAutofit lnSpcReduction="20000"/>
+          </a:bodyPr>
+          <a:p>
+            <a:pPr marL="0" indent="0">
+              <a:buNone/>
+            </a:pPr>
+            <a:r>
+              <a:rPr lang="" altLang="zh-CN"/>
+              <a:t>要能用白话来描述过程：</a:t>
+            </a:r>
+            <a:endParaRPr lang="" altLang="zh-CN"/>
+          </a:p>
+          <a:p>
+            <a:pPr marL="514350" indent="-514350">
+              <a:buFont typeface="+mj-ea"/>
+              <a:buAutoNum type="circleNumDbPlain"/>
+            </a:pPr>
+            <a:r>
+              <a:rPr lang="" altLang="zh-CN"/>
+              <a:t>设立两个集合q1和q2</a:t>
+            </a:r>
+            <a:endParaRPr lang="" altLang="zh-CN"/>
+          </a:p>
+          <a:p>
+            <a:pPr marL="514350" indent="-514350">
+              <a:buFont typeface="+mj-ea"/>
+              <a:buAutoNum type="circleNumDbPlain"/>
+            </a:pPr>
+            <a:r>
+              <a:rPr lang="" altLang="zh-CN"/>
+              <a:t>上来q1存入start， q2存入end</a:t>
+            </a:r>
+            <a:endParaRPr lang="" altLang="zh-CN"/>
+          </a:p>
+          <a:p>
+            <a:pPr marL="0" indent="0">
+              <a:buFont typeface="+mj-ea"/>
+              <a:buNone/>
+            </a:pPr>
+            <a:r>
+              <a:rPr lang="" altLang="zh-CN"/>
+              <a:t>循环下列步骤：</a:t>
+            </a:r>
+            <a:endParaRPr lang="" altLang="zh-CN"/>
+          </a:p>
+          <a:p>
+            <a:pPr marL="514350" indent="-514350">
+              <a:buFont typeface="+mj-ea"/>
+              <a:buAutoNum type="circleNumDbPlain"/>
+            </a:pPr>
+            <a:r>
+              <a:rPr lang="" altLang="zh-CN"/>
+              <a:t>q1扩一圈，新扩的一圈存入集合temp</a:t>
+            </a:r>
+            <a:endParaRPr lang="" altLang="zh-CN"/>
+          </a:p>
+          <a:p>
+            <a:pPr marL="514350" indent="-514350">
+              <a:buFont typeface="+mj-ea"/>
+              <a:buAutoNum type="circleNumDbPlain"/>
+            </a:pPr>
+            <a:r>
+              <a:rPr lang="" altLang="zh-CN"/>
+              <a:t>q1 = q2; q2 = temp; 啥意思呢？在一个循环里面，q1代表出发点，q2代表目标点，这两个循环变化：q1出发扩一圈，存入temp集合；在下一周期temp作为目标点，出发点换成q2</a:t>
+            </a:r>
+            <a:endParaRPr lang="" altLang="zh-CN"/>
+          </a:p>
+          <a:p>
+            <a:pPr marL="0" indent="0">
+              <a:buFont typeface="+mj-ea"/>
+              <a:buNone/>
+            </a:pPr>
+            <a:r>
+              <a:rPr lang="" altLang="zh-CN"/>
+              <a:t>循环截止条件：q1和q2有一个为空，说明无路可找了</a:t>
+            </a:r>
+            <a:endParaRPr lang="" altLang="zh-CN"/>
+          </a:p>
+          <a:p>
+            <a:pPr marL="0" indent="0">
+              <a:buFont typeface="+mj-ea"/>
+              <a:buNone/>
+            </a:pPr>
+            <a:r>
+              <a:rPr lang="" altLang="zh-CN"/>
+              <a:t>循环跳出条件：q1的元素同时也在q2里面，说明找到了！</a:t>
+            </a:r>
+            <a:endParaRPr lang="" altLang="zh-CN"/>
+          </a:p>
+          <a:p>
+            <a:pPr marL="514350" indent="-514350">
+              <a:buAutoNum type="circleNumDbPlain"/>
+            </a:pPr>
+            <a:endParaRPr lang="" altLang="zh-CN"/>
+          </a:p>
+        </p:txBody>
+      </p:sp>
+    </p:spTree>
+  </p:cSld>
+  <p:clrMapOvr>
+    <a:masterClrMapping/>
+  </p:clrMapOvr>
+</p:sld>
+</file>
+
+<file path=ppt/slides/slide5.xml><?xml version="1.0" encoding="utf-8"?>
+<p:sld xmlns:a="http://schemas.openxmlformats.org/drawingml/2006/main" xmlns:r="http://schemas.openxmlformats.org/officeDocument/2006/relationships" xmlns:p="http://schemas.openxmlformats.org/presentationml/2006/main">
+  <p:cSld>
+    <p:spTree>
+      <p:nvGrpSpPr>
+        <p:cNvPr id="1" name=""/>
+        <p:cNvGrpSpPr/>
+        <p:nvPr/>
+      </p:nvGrpSpPr>
+      <p:grpSpPr/>
+      <p:sp>
+        <p:nvSpPr>
+          <p:cNvPr id="2" name="标题 1"/>
+          <p:cNvSpPr>
+            <a:spLocks noGrp="1"/>
+          </p:cNvSpPr>
+          <p:nvPr>
+            <p:ph type="title"/>
+          </p:nvPr>
+        </p:nvSpPr>
+        <p:spPr/>
+        <p:txBody>
+          <a:bodyPr/>
+          <a:p>
+            <a:endParaRPr lang="zh-CN" altLang="en-US"/>
+          </a:p>
+        </p:txBody>
+      </p:sp>
+      <p:pic>
+        <p:nvPicPr>
+          <p:cNvPr id="4" name="内容占位符 3"/>
+          <p:cNvPicPr>
+            <a:picLocks noChangeAspect="1"/>
+          </p:cNvPicPr>
+          <p:nvPr>
+            <p:ph idx="1"/>
+          </p:nvPr>
+        </p:nvPicPr>
+        <p:blipFill>
+          <a:blip r:embed="rId1"/>
+          <a:stretch>
+            <a:fillRect/>
+          </a:stretch>
+        </p:blipFill>
+        <p:spPr>
+          <a:xfrm>
+            <a:off x="838200" y="38100"/>
+            <a:ext cx="6450965" cy="6675755"/>
+          </a:xfrm>
+          <a:prstGeom prst="rect">
+            <a:avLst/>
+          </a:prstGeom>
+        </p:spPr>
+      </p:pic>
+    </p:spTree>
+  </p:cSld>
+  <p:clrMapOvr>
+    <a:masterClrMapping/>
+  </p:clrMapOvr>
+</p:sld>
+</file>
+
+<file path=ppt/slides/slide6.xml><?xml version="1.0" encoding="utf-8"?>
+<p:sld xmlns:a="http://schemas.openxmlformats.org/drawingml/2006/main" xmlns:r="http://schemas.openxmlformats.org/officeDocument/2006/relationships" xmlns:p="http://schemas.openxmlformats.org/presentationml/2006/main">
+  <p:cSld>
+    <p:spTree>
+      <p:nvGrpSpPr>
+        <p:cNvPr id="1" name=""/>
+        <p:cNvGrpSpPr/>
+        <p:nvPr/>
+      </p:nvGrpSpPr>
+      <p:grpSpPr/>
+      <p:sp>
+        <p:nvSpPr>
+          <p:cNvPr id="2" name="标题 1"/>
+          <p:cNvSpPr>
+            <a:spLocks noGrp="1"/>
+          </p:cNvSpPr>
+          <p:nvPr>
+            <p:ph type="title"/>
+          </p:nvPr>
+        </p:nvSpPr>
+        <p:spPr/>
+        <p:txBody>
+          <a:bodyPr/>
+          <a:p>
+            <a:r>
+              <a:rPr lang="" altLang="zh-CN"/>
+              <a:t>技巧</a:t>
+            </a:r>
+            <a:endParaRPr lang="" altLang="zh-CN"/>
+          </a:p>
+        </p:txBody>
+      </p:sp>
+      <p:sp>
+        <p:nvSpPr>
+          <p:cNvPr id="3" name="内容占位符 2"/>
+          <p:cNvSpPr>
+            <a:spLocks noGrp="1"/>
+          </p:cNvSpPr>
+          <p:nvPr>
+            <p:ph idx="1"/>
+          </p:nvPr>
+        </p:nvSpPr>
+        <p:spPr/>
+        <p:txBody>
+          <a:bodyPr/>
+          <a:p>
+            <a:r>
+              <a:rPr lang="" altLang="zh-CN"/>
+              <a:t>序列化成字符串</a:t>
+            </a:r>
+            <a:endParaRPr lang="" altLang="zh-CN"/>
+          </a:p>
+          <a:p>
+            <a:r>
+              <a:rPr lang="" altLang="zh-CN"/>
+              <a:t>搜索方向变成常量数组</a:t>
+            </a:r>
+            <a:endParaRPr lang="" altLang="zh-CN"/>
+          </a:p>
+        </p:txBody>
+      </p:sp>
+    </p:spTree>
   </p:cSld>
   <p:clrMapOvr>
     <a:masterClrMapping/>
@@ -3630,7 +3879,7 @@
     </a:clrScheme>
     <a:fontScheme name="Office">
       <a:majorFont>
-        <a:latin typeface="Calibri Light" panose="020F0302020204030204"/>
+        <a:latin typeface="Calibri Light"/>
         <a:ea typeface=""/>
         <a:cs typeface=""/>
         <a:font script="Jpan" typeface="ＭＳ Ｐゴシック"/>
@@ -3665,7 +3914,7 @@
         <a:font script="Geor" typeface="Sylfaen"/>
       </a:majorFont>
       <a:minorFont>
-        <a:latin typeface="Calibri" panose="020F0502020204030204"/>
+        <a:latin typeface="Calibri"/>
         <a:ea typeface=""/>
         <a:cs typeface=""/>
         <a:font script="Jpan" typeface="ＭＳ Ｐゴシック"/>
@@ -3838,8 +4087,6 @@
       </a:bgFillStyleLst>
     </a:fmtScheme>
   </a:themeElements>
-  <a:objectDefaults/>
-  <a:extraClrSchemeLst/>
   <a:extLst>
     <a:ext uri="{05A4C25C-085E-4340-85A3-A5531E510DB2}">
       <thm15:themeFamily xmlns:thm15="http://schemas.microsoft.com/office/thememl/2012/main" name="Office Theme" id="{62F939B6-93AF-4DB8-9C6B-D6C7DFDC589F}" vid="{4A3C46E8-61CC-4603-A589-7422A47A8E4A}"/>
